--- a/slides/week0_day2.pptx
+++ b/slides/week0_day2.pptx
@@ -5,10 +5,10 @@
     <p:sldMasterId id="2147483648" r:id="rId1"/>
   </p:sldMasterIdLst>
   <p:notesMasterIdLst>
-    <p:notesMasterId r:id="rId17"/>
+    <p:notesMasterId r:id="rId18"/>
   </p:notesMasterIdLst>
   <p:handoutMasterIdLst>
-    <p:handoutMasterId r:id="rId18"/>
+    <p:handoutMasterId r:id="rId19"/>
   </p:handoutMasterIdLst>
   <p:sldIdLst>
     <p:sldId id="281" r:id="rId2"/>
@@ -26,6 +26,7 @@
     <p:sldId id="293" r:id="rId14"/>
     <p:sldId id="294" r:id="rId15"/>
     <p:sldId id="295" r:id="rId16"/>
+    <p:sldId id="296" r:id="rId17"/>
   </p:sldIdLst>
   <p:sldSz cx="9144000" cy="6858000" type="screen4x3"/>
   <p:notesSz cx="6858000" cy="9144000"/>
@@ -4012,6 +4013,13 @@
   <p:transition spd="slow" advClick="0" advTm="3000">
     <p:fade/>
   </p:transition>
+  <p:timing>
+    <p:tnLst>
+      <p:par>
+        <p:cTn id="1" dur="indefinite" restart="never" nodeType="tmRoot"/>
+      </p:par>
+    </p:tnLst>
+  </p:timing>
 </p:sld>
 </file>
 
@@ -4156,6 +4164,13 @@
   <p:transition spd="slow" advClick="0" advTm="3000">
     <p:fade/>
   </p:transition>
+  <p:timing>
+    <p:tnLst>
+      <p:par>
+        <p:cTn id="1" dur="indefinite" restart="never" nodeType="tmRoot"/>
+      </p:par>
+    </p:tnLst>
+  </p:timing>
 </p:sld>
 </file>
 
@@ -4262,7 +4277,7 @@
           <a:p>
             <a:r>
               <a:rPr lang="en-US" dirty="0" smtClean="0"/>
-              <a:t>		"the organization of space effects our thoughts"</a:t>
+              <a:t>		"the organization of space affects our thoughts"</a:t>
             </a:r>
           </a:p>
           <a:p>
@@ -4294,6 +4309,13 @@
   <p:transition spd="slow" advClick="0" advTm="3000">
     <p:fade/>
   </p:transition>
+  <p:timing>
+    <p:tnLst>
+      <p:par>
+        <p:cTn id="1" dur="indefinite" restart="never" nodeType="tmRoot"/>
+      </p:par>
+    </p:tnLst>
+  </p:timing>
 </p:sld>
 </file>
 
@@ -4387,6 +4409,13 @@
   <p:transition spd="slow" advClick="0" advTm="3000">
     <p:fade/>
   </p:transition>
+  <p:timing>
+    <p:tnLst>
+      <p:par>
+        <p:cTn id="1" dur="indefinite" restart="never" nodeType="tmRoot"/>
+      </p:par>
+    </p:tnLst>
+  </p:timing>
 </p:sld>
 </file>
 
@@ -4490,6 +4519,13 @@
   <p:transition spd="slow" advClick="0" advTm="3000">
     <p:fade/>
   </p:transition>
+  <p:timing>
+    <p:tnLst>
+      <p:par>
+        <p:cTn id="1" dur="indefinite" restart="never" nodeType="tmRoot"/>
+      </p:par>
+    </p:tnLst>
+  </p:timing>
 </p:sld>
 </file>
 
@@ -4623,6 +4659,79 @@
               <a:t> and shows off his thesis.  </a:t>
             </a:r>
             <a:endParaRPr lang="en-US" dirty="0"/>
+          </a:p>
+        </p:txBody>
+      </p:sp>
+    </p:spTree>
+  </p:cSld>
+  <p:clrMapOvr>
+    <a:masterClrMapping/>
+  </p:clrMapOvr>
+  <p:transition spd="slow" advClick="0" advTm="3000">
+    <p:fade/>
+  </p:transition>
+  <p:timing>
+    <p:tnLst>
+      <p:par>
+        <p:cTn id="1" dur="indefinite" restart="never" nodeType="tmRoot"/>
+      </p:par>
+    </p:tnLst>
+  </p:timing>
+</p:sld>
+</file>
+
+<file path=ppt/slides/slide16.xml><?xml version="1.0" encoding="utf-8"?>
+<p:sld xmlns:a="http://schemas.openxmlformats.org/drawingml/2006/main" xmlns:r="http://schemas.openxmlformats.org/officeDocument/2006/relationships" xmlns:mc="http://schemas.openxmlformats.org/markup-compatibility/2006" xmlns:mv="urn:schemas-microsoft-com:mac:vml" xmlns:p="http://schemas.openxmlformats.org/presentationml/2006/main" mc:Ignorable="mv" mc:PreserveAttributes="mv:*">
+  <p:cSld>
+    <p:spTree>
+      <p:nvGrpSpPr>
+        <p:cNvPr id="1" name=""/>
+        <p:cNvGrpSpPr/>
+        <p:nvPr/>
+      </p:nvGrpSpPr>
+      <p:grpSpPr>
+        <a:xfrm>
+          <a:off x="0" y="0"/>
+          <a:ext cx="0" cy="0"/>
+          <a:chOff x="0" y="0"/>
+          <a:chExt cx="0" cy="0"/>
+        </a:xfrm>
+      </p:grpSpPr>
+      <p:sp>
+        <p:nvSpPr>
+          <p:cNvPr id="2" name="Title 1"/>
+          <p:cNvSpPr>
+            <a:spLocks noGrp="1"/>
+          </p:cNvSpPr>
+          <p:nvPr>
+            <p:ph type="title"/>
+          </p:nvPr>
+        </p:nvSpPr>
+        <p:spPr/>
+        <p:txBody>
+          <a:bodyPr/>
+          <a:lstStyle/>
+          <a:p>
+            <a:endParaRPr lang="en-US"/>
+          </a:p>
+        </p:txBody>
+      </p:sp>
+      <p:sp>
+        <p:nvSpPr>
+          <p:cNvPr id="3" name="Content Placeholder 2"/>
+          <p:cNvSpPr>
+            <a:spLocks noGrp="1"/>
+          </p:cNvSpPr>
+          <p:nvPr>
+            <p:ph idx="1"/>
+          </p:nvPr>
+        </p:nvSpPr>
+        <p:spPr/>
+        <p:txBody>
+          <a:bodyPr/>
+          <a:lstStyle/>
+          <a:p>
+            <a:endParaRPr lang="en-US"/>
           </a:p>
         </p:txBody>
       </p:sp>
@@ -4873,6 +4982,13 @@
   <p:transition spd="slow" advClick="0" advTm="3000">
     <p:fade/>
   </p:transition>
+  <p:timing>
+    <p:tnLst>
+      <p:par>
+        <p:cTn id="1" dur="indefinite" restart="never" nodeType="tmRoot"/>
+      </p:par>
+    </p:tnLst>
+  </p:timing>
 </p:sld>
 </file>
 
@@ -4973,6 +5089,13 @@
   <p:transition spd="slow" advClick="0" advTm="3000">
     <p:fade/>
   </p:transition>
+  <p:timing>
+    <p:tnLst>
+      <p:par>
+        <p:cTn id="1" dur="indefinite" restart="never" nodeType="tmRoot"/>
+      </p:par>
+    </p:tnLst>
+  </p:timing>
 </p:sld>
 </file>
 
@@ -5094,6 +5217,13 @@
   <p:transition spd="slow" advClick="0" advTm="3000">
     <p:fade/>
   </p:transition>
+  <p:timing>
+    <p:tnLst>
+      <p:par>
+        <p:cTn id="1" dur="indefinite" restart="never" nodeType="tmRoot"/>
+      </p:par>
+    </p:tnLst>
+  </p:timing>
 </p:sld>
 </file>
 
@@ -5191,6 +5321,13 @@
   <p:transition spd="slow" advClick="0" advTm="3000">
     <p:fade/>
   </p:transition>
+  <p:timing>
+    <p:tnLst>
+      <p:par>
+        <p:cTn id="1" dur="indefinite" restart="never" nodeType="tmRoot"/>
+      </p:par>
+    </p:tnLst>
+  </p:timing>
 </p:sld>
 </file>
 
@@ -5311,6 +5448,13 @@
   <p:transition spd="slow" advClick="0" advTm="3000">
     <p:fade/>
   </p:transition>
+  <p:timing>
+    <p:tnLst>
+      <p:par>
+        <p:cTn id="1" dur="indefinite" restart="never" nodeType="tmRoot"/>
+      </p:par>
+    </p:tnLst>
+  </p:timing>
 </p:sld>
 </file>
 
@@ -5408,6 +5552,13 @@
   <p:transition spd="slow" advClick="0" advTm="3000">
     <p:fade/>
   </p:transition>
+  <p:timing>
+    <p:tnLst>
+      <p:par>
+        <p:cTn id="1" dur="indefinite" restart="never" nodeType="tmRoot"/>
+      </p:par>
+    </p:tnLst>
+  </p:timing>
 </p:sld>
 </file>
 
@@ -5496,6 +5647,13 @@
   <p:transition spd="slow" advClick="0" advTm="3000">
     <p:fade/>
   </p:transition>
+  <p:timing>
+    <p:tnLst>
+      <p:par>
+        <p:cTn id="1" dur="indefinite" restart="never" nodeType="tmRoot"/>
+      </p:par>
+    </p:tnLst>
+  </p:timing>
 </p:sld>
 </file>
 
